--- a/docs/ACE_Team_Design.pptx
+++ b/docs/ACE_Team_Design.pptx
@@ -5,10 +5,10 @@
     <p:sldMasterId id="2147483648" r:id="rId2"/>
   </p:sldMasterIdLst>
   <p:notesMasterIdLst>
-    <p:notesMasterId r:id="rId14"/>
+    <p:notesMasterId r:id="rId17"/>
   </p:notesMasterIdLst>
   <p:handoutMasterIdLst>
-    <p:handoutMasterId r:id="rId15"/>
+    <p:handoutMasterId r:id="rId18"/>
   </p:handoutMasterIdLst>
   <p:sldIdLst>
     <p:sldId id="256" r:id="rId3"/>
@@ -21,7 +21,10 @@
     <p:sldId id="268" r:id="rId10"/>
     <p:sldId id="263" r:id="rId11"/>
     <p:sldId id="264" r:id="rId12"/>
-    <p:sldId id="265" r:id="rId13"/>
+    <p:sldId id="269" r:id="rId13"/>
+    <p:sldId id="270" r:id="rId14"/>
+    <p:sldId id="271" r:id="rId15"/>
+    <p:sldId id="265" r:id="rId16"/>
   </p:sldIdLst>
   <p:sldSz cx="9144000" cy="6858000" type="screen4x3"/>
   <p:notesSz cx="6946900" cy="9283700"/>
@@ -5605,7 +5608,7 @@
           <a:p>
             <a:r>
               <a:rPr lang="en-US" dirty="0" smtClean="0"/>
-              <a:t>Current Sprint</a:t>
+              <a:t>Sprint 0</a:t>
             </a:r>
             <a:endParaRPr lang="en-US" dirty="0"/>
           </a:p>
@@ -5626,6 +5629,49 @@
           <a:bodyPr/>
           <a:lstStyle/>
           <a:p>
+            <a:r>
+              <a:rPr lang="en-US" dirty="0" smtClean="0"/>
+              <a:t>Outline UI Designs</a:t>
+            </a:r>
+          </a:p>
+          <a:p>
+            <a:r>
+              <a:rPr lang="en-US" dirty="0" smtClean="0"/>
+              <a:t>Research options for GUI</a:t>
+            </a:r>
+          </a:p>
+          <a:p>
+            <a:pPr lvl="1"/>
+            <a:r>
+              <a:rPr lang="en-US" dirty="0" err="1" smtClean="0"/>
+              <a:t>Qt</a:t>
+            </a:r>
+            <a:r>
+              <a:rPr lang="en-US" dirty="0" smtClean="0"/>
+              <a:t>, </a:t>
+            </a:r>
+            <a:r>
+              <a:rPr lang="en-US" dirty="0" err="1" smtClean="0"/>
+              <a:t>PyQt</a:t>
+            </a:r>
+            <a:endParaRPr lang="en-US" dirty="0" smtClean="0"/>
+          </a:p>
+          <a:p>
+            <a:r>
+              <a:rPr lang="en-US" dirty="0" smtClean="0"/>
+              <a:t>Research options for graphics display</a:t>
+            </a:r>
+          </a:p>
+          <a:p>
+            <a:pPr lvl="1"/>
+            <a:r>
+              <a:rPr lang="en-US" dirty="0" smtClean="0"/>
+              <a:t>SMFL, </a:t>
+            </a:r>
+            <a:r>
+              <a:rPr lang="en-US" dirty="0" err="1" smtClean="0"/>
+              <a:t>PyQt</a:t>
+            </a:r>
             <a:endParaRPr lang="en-US" dirty="0"/>
           </a:p>
         </p:txBody>
@@ -5635,6 +5681,13 @@
   <p:clrMapOvr>
     <a:masterClrMapping/>
   </p:clrMapOvr>
+  <p:timing>
+    <p:tnLst>
+      <p:par>
+        <p:cTn id="1" dur="indefinite" restart="never" nodeType="tmRoot"/>
+      </p:par>
+    </p:tnLst>
+  </p:timing>
 </p:sld>
 </file>
 
@@ -5657,9 +5710,9 @@
       </p:grpSpPr>
       <p:sp>
         <p:nvSpPr>
-          <p:cNvPr id="29698" name="Rectangle 2"/>
-          <p:cNvSpPr>
-            <a:spLocks noGrp="1" noChangeArrowheads="1"/>
+          <p:cNvPr id="2" name="Title 1"/>
+          <p:cNvSpPr>
+            <a:spLocks noGrp="1"/>
           </p:cNvSpPr>
           <p:nvPr>
             <p:ph type="title"/>
@@ -5672,7 +5725,7 @@
           <a:p>
             <a:r>
               <a:rPr lang="en-US" dirty="0" smtClean="0"/>
-              <a:t>Roadblocks</a:t>
+              <a:t>Sprint 1</a:t>
             </a:r>
             <a:endParaRPr lang="en-US" dirty="0"/>
           </a:p>
@@ -5680,12 +5733,12 @@
       </p:sp>
       <p:sp>
         <p:nvSpPr>
-          <p:cNvPr id="29699" name="Rectangle 3"/>
-          <p:cNvSpPr>
-            <a:spLocks noGrp="1" noChangeArrowheads="1"/>
-          </p:cNvSpPr>
-          <p:nvPr>
-            <p:ph type="body" idx="1"/>
+          <p:cNvPr id="3" name="Content Placeholder 2"/>
+          <p:cNvSpPr>
+            <a:spLocks noGrp="1"/>
+          </p:cNvSpPr>
+          <p:nvPr>
+            <p:ph idx="1"/>
           </p:nvPr>
         </p:nvSpPr>
         <p:spPr/>
@@ -5693,6 +5746,345 @@
           <a:bodyPr/>
           <a:lstStyle/>
           <a:p>
+            <a:r>
+              <a:rPr lang="en-US" dirty="0" smtClean="0"/>
+              <a:t>Create UI forms for Title Menu, Trainer, Editor</a:t>
+            </a:r>
+          </a:p>
+          <a:p>
+            <a:r>
+              <a:rPr lang="en-US" dirty="0" smtClean="0"/>
+              <a:t>Generate </a:t>
+            </a:r>
+            <a:r>
+              <a:rPr lang="en-US" dirty="0" err="1" smtClean="0"/>
+              <a:t>PyQt</a:t>
+            </a:r>
+            <a:r>
+              <a:rPr lang="en-US" dirty="0" smtClean="0"/>
+              <a:t> code from the XML files</a:t>
+            </a:r>
+          </a:p>
+          <a:p>
+            <a:r>
+              <a:rPr lang="en-US" dirty="0" smtClean="0"/>
+              <a:t>Implement transitions between different modes</a:t>
+            </a:r>
+            <a:endParaRPr lang="en-US" dirty="0"/>
+          </a:p>
+        </p:txBody>
+      </p:sp>
+    </p:spTree>
+    <p:extLst>
+      <p:ext uri="{BB962C8B-B14F-4D97-AF65-F5344CB8AC3E}">
+        <p14:creationId xmlns:p14="http://schemas.microsoft.com/office/powerpoint/2010/main" val="3375135558"/>
+      </p:ext>
+    </p:extLst>
+  </p:cSld>
+  <p:clrMapOvr>
+    <a:masterClrMapping/>
+  </p:clrMapOvr>
+</p:sld>
+</file>
+
+<file path=ppt/slides/slide12.xml><?xml version="1.0" encoding="utf-8"?>
+<p:sld xmlns:a="http://schemas.openxmlformats.org/drawingml/2006/main" xmlns:r="http://schemas.openxmlformats.org/officeDocument/2006/relationships" xmlns:p="http://schemas.openxmlformats.org/presentationml/2006/main">
+  <p:cSld>
+    <p:spTree>
+      <p:nvGrpSpPr>
+        <p:cNvPr id="1" name=""/>
+        <p:cNvGrpSpPr/>
+        <p:nvPr/>
+      </p:nvGrpSpPr>
+      <p:grpSpPr>
+        <a:xfrm>
+          <a:off x="0" y="0"/>
+          <a:ext cx="0" cy="0"/>
+          <a:chOff x="0" y="0"/>
+          <a:chExt cx="0" cy="0"/>
+        </a:xfrm>
+      </p:grpSpPr>
+      <p:sp>
+        <p:nvSpPr>
+          <p:cNvPr id="2" name="Title 1"/>
+          <p:cNvSpPr>
+            <a:spLocks noGrp="1"/>
+          </p:cNvSpPr>
+          <p:nvPr>
+            <p:ph type="title"/>
+          </p:nvPr>
+        </p:nvSpPr>
+        <p:spPr/>
+        <p:txBody>
+          <a:bodyPr/>
+          <a:lstStyle/>
+          <a:p>
+            <a:r>
+              <a:rPr lang="en-US" b="0" dirty="0"/>
+              <a:t>Sprint </a:t>
+            </a:r>
+            <a:r>
+              <a:rPr lang="en-US" b="0" dirty="0" smtClean="0"/>
+              <a:t>2</a:t>
+            </a:r>
+            <a:endParaRPr lang="en-US" dirty="0"/>
+          </a:p>
+        </p:txBody>
+      </p:sp>
+      <p:sp>
+        <p:nvSpPr>
+          <p:cNvPr id="3" name="Content Placeholder 2"/>
+          <p:cNvSpPr>
+            <a:spLocks noGrp="1"/>
+          </p:cNvSpPr>
+          <p:nvPr>
+            <p:ph idx="1"/>
+          </p:nvPr>
+        </p:nvSpPr>
+        <p:spPr/>
+        <p:txBody>
+          <a:bodyPr/>
+          <a:lstStyle/>
+          <a:p>
+            <a:r>
+              <a:rPr lang="en-US" dirty="0"/>
+              <a:t>Create UI form for Statistics </a:t>
+            </a:r>
+            <a:r>
+              <a:rPr lang="en-US" dirty="0" smtClean="0"/>
+              <a:t>page</a:t>
+            </a:r>
+            <a:endParaRPr lang="en-US" dirty="0"/>
+          </a:p>
+          <a:p>
+            <a:r>
+              <a:rPr lang="en-US" dirty="0"/>
+              <a:t>Add information to status </a:t>
+            </a:r>
+            <a:r>
+              <a:rPr lang="en-US" dirty="0" smtClean="0"/>
+              <a:t>bar</a:t>
+            </a:r>
+            <a:endParaRPr lang="en-US" dirty="0"/>
+          </a:p>
+          <a:p>
+            <a:r>
+              <a:rPr lang="en-US" dirty="0"/>
+              <a:t>Draw slides to screen using </a:t>
+            </a:r>
+            <a:r>
+              <a:rPr lang="en-US" dirty="0" err="1"/>
+              <a:t>PyQt</a:t>
+            </a:r>
+            <a:endParaRPr lang="en-US" dirty="0"/>
+          </a:p>
+        </p:txBody>
+      </p:sp>
+    </p:spTree>
+    <p:extLst>
+      <p:ext uri="{BB962C8B-B14F-4D97-AF65-F5344CB8AC3E}">
+        <p14:creationId xmlns:p14="http://schemas.microsoft.com/office/powerpoint/2010/main" val="3635389401"/>
+      </p:ext>
+    </p:extLst>
+  </p:cSld>
+  <p:clrMapOvr>
+    <a:masterClrMapping/>
+  </p:clrMapOvr>
+</p:sld>
+</file>
+
+<file path=ppt/slides/slide13.xml><?xml version="1.0" encoding="utf-8"?>
+<p:sld xmlns:a="http://schemas.openxmlformats.org/drawingml/2006/main" xmlns:r="http://schemas.openxmlformats.org/officeDocument/2006/relationships" xmlns:p="http://schemas.openxmlformats.org/presentationml/2006/main">
+  <p:cSld>
+    <p:spTree>
+      <p:nvGrpSpPr>
+        <p:cNvPr id="1" name=""/>
+        <p:cNvGrpSpPr/>
+        <p:nvPr/>
+      </p:nvGrpSpPr>
+      <p:grpSpPr>
+        <a:xfrm>
+          <a:off x="0" y="0"/>
+          <a:ext cx="0" cy="0"/>
+          <a:chOff x="0" y="0"/>
+          <a:chExt cx="0" cy="0"/>
+        </a:xfrm>
+      </p:grpSpPr>
+      <p:sp>
+        <p:nvSpPr>
+          <p:cNvPr id="2" name="Title 1"/>
+          <p:cNvSpPr>
+            <a:spLocks noGrp="1"/>
+          </p:cNvSpPr>
+          <p:nvPr>
+            <p:ph type="title"/>
+          </p:nvPr>
+        </p:nvSpPr>
+        <p:spPr/>
+        <p:txBody>
+          <a:bodyPr/>
+          <a:lstStyle/>
+          <a:p>
+            <a:r>
+              <a:rPr lang="en-US" dirty="0" smtClean="0"/>
+              <a:t>Sprint 3 (Current)</a:t>
+            </a:r>
+            <a:endParaRPr lang="en-US" dirty="0"/>
+          </a:p>
+        </p:txBody>
+      </p:sp>
+      <p:sp>
+        <p:nvSpPr>
+          <p:cNvPr id="3" name="Content Placeholder 2"/>
+          <p:cNvSpPr>
+            <a:spLocks noGrp="1"/>
+          </p:cNvSpPr>
+          <p:nvPr>
+            <p:ph idx="1"/>
+          </p:nvPr>
+        </p:nvSpPr>
+        <p:spPr/>
+        <p:txBody>
+          <a:bodyPr/>
+          <a:lstStyle/>
+          <a:p>
+            <a:r>
+              <a:rPr lang="en-US" dirty="0" smtClean="0"/>
+              <a:t>Implement basic functionality for Trainer mode</a:t>
+            </a:r>
+          </a:p>
+          <a:p>
+            <a:pPr lvl="1"/>
+            <a:r>
+              <a:rPr lang="en-US" dirty="0" smtClean="0"/>
+              <a:t>Generating new random slides</a:t>
+            </a:r>
+          </a:p>
+          <a:p>
+            <a:pPr lvl="1"/>
+            <a:r>
+              <a:rPr lang="en-US" dirty="0" smtClean="0"/>
+              <a:t>Receiving user input</a:t>
+            </a:r>
+          </a:p>
+          <a:p>
+            <a:pPr lvl="1"/>
+            <a:r>
+              <a:rPr lang="en-US" dirty="0" smtClean="0"/>
+              <a:t>Recording the displaying session stats</a:t>
+            </a:r>
+            <a:endParaRPr lang="en-US" dirty="0"/>
+          </a:p>
+        </p:txBody>
+      </p:sp>
+    </p:spTree>
+    <p:extLst>
+      <p:ext uri="{BB962C8B-B14F-4D97-AF65-F5344CB8AC3E}">
+        <p14:creationId xmlns:p14="http://schemas.microsoft.com/office/powerpoint/2010/main" val="560739972"/>
+      </p:ext>
+    </p:extLst>
+  </p:cSld>
+  <p:clrMapOvr>
+    <a:masterClrMapping/>
+  </p:clrMapOvr>
+</p:sld>
+</file>
+
+<file path=ppt/slides/slide14.xml><?xml version="1.0" encoding="utf-8"?>
+<p:sld xmlns:a="http://schemas.openxmlformats.org/drawingml/2006/main" xmlns:r="http://schemas.openxmlformats.org/officeDocument/2006/relationships" xmlns:p="http://schemas.openxmlformats.org/presentationml/2006/main">
+  <p:cSld>
+    <p:spTree>
+      <p:nvGrpSpPr>
+        <p:cNvPr id="1" name=""/>
+        <p:cNvGrpSpPr/>
+        <p:nvPr/>
+      </p:nvGrpSpPr>
+      <p:grpSpPr>
+        <a:xfrm>
+          <a:off x="0" y="0"/>
+          <a:ext cx="0" cy="0"/>
+          <a:chOff x="0" y="0"/>
+          <a:chExt cx="0" cy="0"/>
+        </a:xfrm>
+      </p:grpSpPr>
+      <p:sp>
+        <p:nvSpPr>
+          <p:cNvPr id="29698" name="Rectangle 2"/>
+          <p:cNvSpPr>
+            <a:spLocks noGrp="1" noChangeArrowheads="1"/>
+          </p:cNvSpPr>
+          <p:nvPr>
+            <p:ph type="title"/>
+          </p:nvPr>
+        </p:nvSpPr>
+        <p:spPr/>
+        <p:txBody>
+          <a:bodyPr/>
+          <a:lstStyle/>
+          <a:p>
+            <a:r>
+              <a:rPr lang="en-US" dirty="0" smtClean="0"/>
+              <a:t>Roadblocks</a:t>
+            </a:r>
+            <a:endParaRPr lang="en-US" dirty="0"/>
+          </a:p>
+        </p:txBody>
+      </p:sp>
+      <p:sp>
+        <p:nvSpPr>
+          <p:cNvPr id="29699" name="Rectangle 3"/>
+          <p:cNvSpPr>
+            <a:spLocks noGrp="1" noChangeArrowheads="1"/>
+          </p:cNvSpPr>
+          <p:nvPr>
+            <p:ph type="body" idx="1"/>
+          </p:nvPr>
+        </p:nvSpPr>
+        <p:spPr/>
+        <p:txBody>
+          <a:bodyPr/>
+          <a:lstStyle/>
+          <a:p>
+            <a:r>
+              <a:rPr lang="en-US" dirty="0" smtClean="0"/>
+              <a:t>Settling on a framework</a:t>
+            </a:r>
+          </a:p>
+          <a:p>
+            <a:r>
+              <a:rPr lang="en-US" dirty="0" smtClean="0"/>
+              <a:t>Learning </a:t>
+            </a:r>
+            <a:r>
+              <a:rPr lang="en-US" dirty="0" err="1" smtClean="0"/>
+              <a:t>Qt</a:t>
+            </a:r>
+            <a:endParaRPr lang="en-US" dirty="0" smtClean="0"/>
+          </a:p>
+          <a:p>
+            <a:pPr lvl="1"/>
+            <a:r>
+              <a:rPr lang="en-US" dirty="0" smtClean="0"/>
+              <a:t>Choosing </a:t>
+            </a:r>
+            <a:r>
+              <a:rPr lang="en-US" dirty="0" err="1" smtClean="0"/>
+              <a:t>PyQt</a:t>
+            </a:r>
+            <a:endParaRPr lang="en-US" dirty="0" smtClean="0"/>
+          </a:p>
+          <a:p>
+            <a:r>
+              <a:rPr lang="en-US" dirty="0" smtClean="0"/>
+              <a:t>Schedule Issues</a:t>
+            </a:r>
+          </a:p>
+          <a:p>
+            <a:pPr lvl="1"/>
+            <a:r>
+              <a:rPr lang="en-US" dirty="0" smtClean="0"/>
+              <a:t>Work in other classes delayed sprints</a:t>
+            </a:r>
             <a:endParaRPr lang="en-US" dirty="0"/>
           </a:p>
         </p:txBody>
@@ -5702,6 +6094,13 @@
   <p:clrMapOvr>
     <a:masterClrMapping/>
   </p:clrMapOvr>
+  <p:timing>
+    <p:tnLst>
+      <p:par>
+        <p:cTn id="1" dur="indefinite" restart="never" nodeType="tmRoot"/>
+      </p:par>
+    </p:tnLst>
+  </p:timing>
 </p:sld>
 </file>
 
@@ -5760,7 +6159,49 @@
           <a:bodyPr/>
           <a:lstStyle/>
           <a:p>
-            <a:endParaRPr lang="en-US"/>
+            <a:r>
+              <a:rPr lang="en-US" dirty="0" err="1" smtClean="0"/>
+              <a:t>Qt</a:t>
+            </a:r>
+            <a:r>
+              <a:rPr lang="en-US" dirty="0" smtClean="0"/>
+              <a:t> application framework, renders and displays UI Widgets. </a:t>
+            </a:r>
+          </a:p>
+          <a:p>
+            <a:r>
+              <a:rPr lang="en-US" dirty="0" smtClean="0"/>
+              <a:t>User input is captures though mouse clicks and interaction with UI Widgets</a:t>
+            </a:r>
+          </a:p>
+          <a:p>
+            <a:r>
+              <a:rPr lang="en-US" dirty="0" smtClean="0"/>
+              <a:t>The view of the virtual microscope is represented as “slides”.</a:t>
+            </a:r>
+          </a:p>
+          <a:p>
+            <a:r>
+              <a:rPr lang="en-US" dirty="0" smtClean="0"/>
+              <a:t>Slides are </a:t>
+            </a:r>
+            <a:r>
+              <a:rPr lang="en-US" dirty="0" smtClean="0"/>
+              <a:t>built and maintained </a:t>
+            </a:r>
+            <a:r>
+              <a:rPr lang="en-US" dirty="0" smtClean="0"/>
+              <a:t>using the </a:t>
+            </a:r>
+            <a:r>
+              <a:rPr lang="en-US" dirty="0" smtClean="0"/>
+              <a:t>slide manager</a:t>
+            </a:r>
+            <a:r>
+              <a:rPr lang="en-US" dirty="0" smtClean="0"/>
+              <a:t> controller</a:t>
+            </a:r>
+            <a:endParaRPr lang="en-US" dirty="0" smtClean="0"/>
           </a:p>
         </p:txBody>
       </p:sp>
@@ -5774,6 +6215,13 @@
   <p:clrMapOvr>
     <a:masterClrMapping/>
   </p:clrMapOvr>
+  <p:timing>
+    <p:tnLst>
+      <p:par>
+        <p:cTn id="1" dur="indefinite" restart="never" nodeType="tmRoot"/>
+      </p:par>
+    </p:tnLst>
+  </p:timing>
 </p:sld>
 </file>
 
@@ -5796,6 +6244,98 @@
       </p:grpSpPr>
       <p:sp>
         <p:nvSpPr>
+          <p:cNvPr id="11" name="Rectangle 10"/>
+          <p:cNvSpPr/>
+          <p:nvPr/>
+        </p:nvSpPr>
+        <p:spPr bwMode="auto">
+          <a:xfrm>
+            <a:off x="1066800" y="1905000"/>
+            <a:ext cx="2667000" cy="4495800"/>
+          </a:xfrm>
+          <a:prstGeom prst="rect">
+            <a:avLst/>
+          </a:prstGeom>
+          <a:solidFill>
+            <a:srgbClr val="92D050"/>
+          </a:solidFill>
+          <a:ln w="12700" cap="sq" cmpd="sng" algn="ctr">
+            <a:solidFill>
+              <a:schemeClr val="tx1"/>
+            </a:solidFill>
+            <a:prstDash val="solid"/>
+            <a:round/>
+            <a:headEnd type="none" w="sm" len="sm"/>
+            <a:tailEnd type="none" w="sm" len="sm"/>
+          </a:ln>
+          <a:effectLst/>
+          <a:extLst/>
+        </p:spPr>
+        <p:txBody>
+          <a:bodyPr vert="horz" wrap="square" lIns="91440" tIns="45720" rIns="91440" bIns="45720" numCol="1" rtlCol="0" anchor="t" anchorCtr="0" compatLnSpc="1">
+            <a:prstTxWarp prst="textNoShape">
+              <a:avLst/>
+            </a:prstTxWarp>
+          </a:bodyPr>
+          <a:lstStyle/>
+          <a:p>
+            <a:pPr marL="0" marR="0" indent="0" algn="l" defTabSz="914400" rtl="0" eaLnBrk="1" fontAlgn="base" latinLnBrk="0" hangingPunct="1">
+              <a:lnSpc>
+                <a:spcPct val="100000"/>
+              </a:lnSpc>
+              <a:spcBef>
+                <a:spcPct val="0"/>
+              </a:spcBef>
+              <a:spcAft>
+                <a:spcPct val="0"/>
+              </a:spcAft>
+              <a:buClrTx/>
+              <a:buSzTx/>
+              <a:buFontTx/>
+              <a:buNone/>
+              <a:tabLst/>
+            </a:pPr>
+            <a:r>
+              <a:rPr kumimoji="0" lang="en-US" sz="2400" b="0" i="0" u="none" strike="noStrike" cap="none" normalizeH="0" baseline="0" dirty="0" err="1" smtClean="0">
+                <a:ln>
+                  <a:noFill/>
+                </a:ln>
+                <a:solidFill>
+                  <a:schemeClr val="tx1"/>
+                </a:solidFill>
+                <a:effectLst/>
+                <a:latin typeface="+mj-lt"/>
+              </a:rPr>
+              <a:t>Qt</a:t>
+            </a:r>
+            <a:r>
+              <a:rPr kumimoji="0" lang="en-US" sz="2400" b="0" i="0" u="none" strike="noStrike" cap="none" normalizeH="0" dirty="0" smtClean="0">
+                <a:ln>
+                  <a:noFill/>
+                </a:ln>
+                <a:solidFill>
+                  <a:schemeClr val="tx1"/>
+                </a:solidFill>
+                <a:effectLst/>
+                <a:latin typeface="+mj-lt"/>
+              </a:rPr>
+              <a:t> Framework</a:t>
+            </a:r>
+            <a:endParaRPr kumimoji="0" lang="en-US" sz="2400" b="0" i="0" u="none" strike="noStrike" cap="none" normalizeH="0" baseline="0" dirty="0" smtClean="0">
+              <a:ln>
+                <a:noFill/>
+              </a:ln>
+              <a:solidFill>
+                <a:schemeClr val="tx1"/>
+              </a:solidFill>
+              <a:effectLst/>
+              <a:latin typeface="+mj-lt"/>
+            </a:endParaRPr>
+          </a:p>
+        </p:txBody>
+      </p:sp>
+      <p:sp>
+        <p:nvSpPr>
           <p:cNvPr id="2" name="Title 1"/>
           <p:cNvSpPr>
             <a:spLocks noGrp="1"/>
@@ -5817,22 +6357,1199 @@
           </a:p>
         </p:txBody>
       </p:sp>
-      <p:sp>
-        <p:nvSpPr>
-          <p:cNvPr id="3" name="Content Placeholder 2"/>
-          <p:cNvSpPr>
-            <a:spLocks noGrp="1"/>
-          </p:cNvSpPr>
-          <p:nvPr>
-            <p:ph idx="1"/>
-          </p:nvPr>
-        </p:nvSpPr>
-        <p:spPr/>
-        <p:txBody>
-          <a:bodyPr/>
+      <p:grpSp>
+        <p:nvGrpSpPr>
+          <p:cNvPr id="14" name="Group 13"/>
+          <p:cNvGrpSpPr/>
+          <p:nvPr/>
+        </p:nvGrpSpPr>
+        <p:grpSpPr>
+          <a:xfrm>
+            <a:off x="1219200" y="3962400"/>
+            <a:ext cx="2362200" cy="2057400"/>
+            <a:chOff x="1097478" y="3505200"/>
+            <a:chExt cx="2819400" cy="1676400"/>
+          </a:xfrm>
+        </p:grpSpPr>
+        <p:sp>
+          <p:nvSpPr>
+            <p:cNvPr id="4" name="Rectangle 3"/>
+            <p:cNvSpPr/>
+            <p:nvPr/>
+          </p:nvSpPr>
+          <p:spPr bwMode="auto">
+            <a:xfrm>
+              <a:off x="1097478" y="3505200"/>
+              <a:ext cx="2819400" cy="1676400"/>
+            </a:xfrm>
+            <a:prstGeom prst="rect">
+              <a:avLst/>
+            </a:prstGeom>
+            <a:solidFill>
+              <a:schemeClr val="accent1"/>
+            </a:solidFill>
+            <a:ln w="12700" cap="sq" cmpd="sng" algn="ctr">
+              <a:solidFill>
+                <a:schemeClr val="tx1"/>
+              </a:solidFill>
+              <a:prstDash val="solid"/>
+              <a:round/>
+              <a:headEnd type="none" w="sm" len="sm"/>
+              <a:tailEnd type="none" w="sm" len="sm"/>
+            </a:ln>
+            <a:effectLst/>
+            <a:extLst>
+              <a:ext uri="{AF507438-7753-43E0-B8FC-AC1667EBCBE1}">
+                <a14:hiddenEffects xmlns:a14="http://schemas.microsoft.com/office/drawing/2010/main">
+                  <a:effectLst>
+                    <a:outerShdw dist="35921" dir="2700000" algn="ctr" rotWithShape="0">
+                      <a:schemeClr val="bg2"/>
+                    </a:outerShdw>
+                  </a:effectLst>
+                </a14:hiddenEffects>
+              </a:ext>
+            </a:extLst>
+          </p:spPr>
+          <p:txBody>
+            <a:bodyPr vert="horz" wrap="square" lIns="91440" tIns="45720" rIns="91440" bIns="45720" numCol="1" rtlCol="0" anchor="t" anchorCtr="0" compatLnSpc="1">
+              <a:prstTxWarp prst="textNoShape">
+                <a:avLst/>
+              </a:prstTxWarp>
+            </a:bodyPr>
+            <a:lstStyle/>
+            <a:p>
+              <a:pPr marL="0" marR="0" indent="0" algn="l" defTabSz="914400" rtl="0" eaLnBrk="1" fontAlgn="base" latinLnBrk="0" hangingPunct="1">
+                <a:lnSpc>
+                  <a:spcPct val="100000"/>
+                </a:lnSpc>
+                <a:spcBef>
+                  <a:spcPct val="0"/>
+                </a:spcBef>
+                <a:spcAft>
+                  <a:spcPct val="0"/>
+                </a:spcAft>
+                <a:buClrTx/>
+                <a:buSzTx/>
+                <a:buFontTx/>
+                <a:buNone/>
+                <a:tabLst/>
+              </a:pPr>
+              <a:r>
+                <a:rPr kumimoji="0" lang="en-US" sz="1800" b="1" i="0" u="none" strike="noStrike" cap="none" normalizeH="0" baseline="0" dirty="0" smtClean="0">
+                  <a:ln>
+                    <a:noFill/>
+                  </a:ln>
+                  <a:solidFill>
+                    <a:schemeClr val="tx1"/>
+                  </a:solidFill>
+                  <a:effectLst/>
+                  <a:latin typeface="+mn-lt"/>
+                </a:rPr>
+                <a:t>Views</a:t>
+              </a:r>
+            </a:p>
+          </p:txBody>
+        </p:sp>
+        <p:sp>
+          <p:nvSpPr>
+            <p:cNvPr id="6" name="Rectangle 5"/>
+            <p:cNvSpPr/>
+            <p:nvPr/>
+          </p:nvSpPr>
+          <p:spPr bwMode="auto">
+            <a:xfrm>
+              <a:off x="1211778" y="3877733"/>
+              <a:ext cx="1295400" cy="358987"/>
+            </a:xfrm>
+            <a:prstGeom prst="rect">
+              <a:avLst/>
+            </a:prstGeom>
+            <a:solidFill>
+              <a:schemeClr val="tx2"/>
+            </a:solidFill>
+            <a:ln w="12700" cap="sq" cmpd="sng" algn="ctr">
+              <a:solidFill>
+                <a:schemeClr val="tx1"/>
+              </a:solidFill>
+              <a:prstDash val="solid"/>
+              <a:round/>
+              <a:headEnd type="none" w="sm" len="sm"/>
+              <a:tailEnd type="none" w="sm" len="sm"/>
+            </a:ln>
+            <a:effectLst/>
+            <a:extLst/>
+          </p:spPr>
+          <p:txBody>
+            <a:bodyPr vert="horz" wrap="square" lIns="91440" tIns="45720" rIns="91440" bIns="45720" numCol="1" rtlCol="0" anchor="ctr" anchorCtr="0" compatLnSpc="1">
+              <a:prstTxWarp prst="textNoShape">
+                <a:avLst/>
+              </a:prstTxWarp>
+            </a:bodyPr>
+            <a:lstStyle/>
+            <a:p>
+              <a:pPr marL="0" marR="0" indent="0" algn="ctr" defTabSz="914400" rtl="0" eaLnBrk="1" fontAlgn="base" latinLnBrk="0" hangingPunct="1">
+                <a:lnSpc>
+                  <a:spcPct val="100000"/>
+                </a:lnSpc>
+                <a:spcBef>
+                  <a:spcPct val="0"/>
+                </a:spcBef>
+                <a:spcAft>
+                  <a:spcPct val="0"/>
+                </a:spcAft>
+                <a:buClrTx/>
+                <a:buSzTx/>
+                <a:buFontTx/>
+                <a:buNone/>
+                <a:tabLst/>
+              </a:pPr>
+              <a:r>
+                <a:rPr lang="en-US" sz="1200" dirty="0" smtClean="0">
+                  <a:solidFill>
+                    <a:schemeClr val="bg2"/>
+                  </a:solidFill>
+                  <a:latin typeface="+mn-lt"/>
+                </a:rPr>
+                <a:t>Navigation View</a:t>
+              </a:r>
+              <a:endParaRPr kumimoji="0" lang="en-US" sz="1200" b="0" i="0" u="none" strike="noStrike" cap="none" normalizeH="0" baseline="0" dirty="0" smtClean="0">
+                <a:ln>
+                  <a:noFill/>
+                </a:ln>
+                <a:solidFill>
+                  <a:schemeClr val="bg2"/>
+                </a:solidFill>
+                <a:effectLst/>
+                <a:latin typeface="+mn-lt"/>
+              </a:endParaRPr>
+            </a:p>
+          </p:txBody>
+        </p:sp>
+        <p:sp>
+          <p:nvSpPr>
+            <p:cNvPr id="7" name="Rectangle 6"/>
+            <p:cNvSpPr/>
+            <p:nvPr/>
+          </p:nvSpPr>
+          <p:spPr bwMode="auto">
+            <a:xfrm>
+              <a:off x="1211778" y="4343400"/>
+              <a:ext cx="1295400" cy="304800"/>
+            </a:xfrm>
+            <a:prstGeom prst="rect">
+              <a:avLst/>
+            </a:prstGeom>
+            <a:solidFill>
+              <a:schemeClr val="tx2"/>
+            </a:solidFill>
+            <a:ln w="12700" cap="sq" cmpd="sng" algn="ctr">
+              <a:solidFill>
+                <a:schemeClr val="tx1"/>
+              </a:solidFill>
+              <a:prstDash val="solid"/>
+              <a:round/>
+              <a:headEnd type="none" w="sm" len="sm"/>
+              <a:tailEnd type="none" w="sm" len="sm"/>
+            </a:ln>
+            <a:effectLst/>
+            <a:extLst/>
+          </p:spPr>
+          <p:txBody>
+            <a:bodyPr vert="horz" wrap="square" lIns="91440" tIns="45720" rIns="91440" bIns="45720" numCol="1" rtlCol="0" anchor="ctr" anchorCtr="0" compatLnSpc="1">
+              <a:prstTxWarp prst="textNoShape">
+                <a:avLst/>
+              </a:prstTxWarp>
+            </a:bodyPr>
+            <a:lstStyle/>
+            <a:p>
+              <a:pPr marL="0" marR="0" indent="0" algn="ctr" defTabSz="914400" rtl="0" eaLnBrk="1" fontAlgn="base" latinLnBrk="0" hangingPunct="1">
+                <a:lnSpc>
+                  <a:spcPct val="100000"/>
+                </a:lnSpc>
+                <a:spcBef>
+                  <a:spcPct val="0"/>
+                </a:spcBef>
+                <a:spcAft>
+                  <a:spcPct val="0"/>
+                </a:spcAft>
+                <a:buClrTx/>
+                <a:buSzTx/>
+                <a:buFontTx/>
+                <a:buNone/>
+                <a:tabLst/>
+              </a:pPr>
+              <a:r>
+                <a:rPr lang="en-US" sz="1200" dirty="0" smtClean="0">
+                  <a:solidFill>
+                    <a:schemeClr val="bg2"/>
+                  </a:solidFill>
+                  <a:latin typeface="+mn-lt"/>
+                </a:rPr>
+                <a:t>Trainer View</a:t>
+              </a:r>
+              <a:endParaRPr kumimoji="0" lang="en-US" sz="1200" b="0" i="0" u="none" strike="noStrike" cap="none" normalizeH="0" baseline="0" dirty="0" smtClean="0">
+                <a:ln>
+                  <a:noFill/>
+                </a:ln>
+                <a:solidFill>
+                  <a:schemeClr val="bg2"/>
+                </a:solidFill>
+                <a:effectLst/>
+                <a:latin typeface="+mn-lt"/>
+              </a:endParaRPr>
+            </a:p>
+          </p:txBody>
+        </p:sp>
+        <p:sp>
+          <p:nvSpPr>
+            <p:cNvPr id="8" name="Rectangle 7"/>
+            <p:cNvSpPr/>
+            <p:nvPr/>
+          </p:nvSpPr>
+          <p:spPr bwMode="auto">
+            <a:xfrm>
+              <a:off x="1211778" y="4754880"/>
+              <a:ext cx="1295400" cy="304800"/>
+            </a:xfrm>
+            <a:prstGeom prst="rect">
+              <a:avLst/>
+            </a:prstGeom>
+            <a:solidFill>
+              <a:schemeClr val="tx2"/>
+            </a:solidFill>
+            <a:ln w="12700" cap="sq" cmpd="sng" algn="ctr">
+              <a:solidFill>
+                <a:schemeClr val="tx1"/>
+              </a:solidFill>
+              <a:prstDash val="solid"/>
+              <a:round/>
+              <a:headEnd type="none" w="sm" len="sm"/>
+              <a:tailEnd type="none" w="sm" len="sm"/>
+            </a:ln>
+            <a:effectLst/>
+            <a:extLst/>
+          </p:spPr>
+          <p:txBody>
+            <a:bodyPr vert="horz" wrap="square" lIns="91440" tIns="45720" rIns="91440" bIns="45720" numCol="1" rtlCol="0" anchor="ctr" anchorCtr="0" compatLnSpc="1">
+              <a:prstTxWarp prst="textNoShape">
+                <a:avLst/>
+              </a:prstTxWarp>
+            </a:bodyPr>
+            <a:lstStyle/>
+            <a:p>
+              <a:pPr marL="0" marR="0" indent="0" algn="ctr" defTabSz="914400" rtl="0" eaLnBrk="1" fontAlgn="base" latinLnBrk="0" hangingPunct="1">
+                <a:lnSpc>
+                  <a:spcPct val="100000"/>
+                </a:lnSpc>
+                <a:spcBef>
+                  <a:spcPct val="0"/>
+                </a:spcBef>
+                <a:spcAft>
+                  <a:spcPct val="0"/>
+                </a:spcAft>
+                <a:buClrTx/>
+                <a:buSzTx/>
+                <a:buFontTx/>
+                <a:buNone/>
+                <a:tabLst/>
+              </a:pPr>
+              <a:r>
+                <a:rPr lang="en-US" sz="1200" dirty="0" smtClean="0">
+                  <a:solidFill>
+                    <a:schemeClr val="bg2"/>
+                  </a:solidFill>
+                  <a:latin typeface="+mn-lt"/>
+                </a:rPr>
+                <a:t>Editor View</a:t>
+              </a:r>
+              <a:endParaRPr kumimoji="0" lang="en-US" sz="1200" b="0" i="0" u="none" strike="noStrike" cap="none" normalizeH="0" baseline="0" dirty="0" smtClean="0">
+                <a:ln>
+                  <a:noFill/>
+                </a:ln>
+                <a:solidFill>
+                  <a:schemeClr val="bg2"/>
+                </a:solidFill>
+                <a:effectLst/>
+                <a:latin typeface="+mn-lt"/>
+              </a:endParaRPr>
+            </a:p>
+          </p:txBody>
+        </p:sp>
+        <p:sp>
+          <p:nvSpPr>
+            <p:cNvPr id="9" name="Rectangle 8"/>
+            <p:cNvSpPr/>
+            <p:nvPr/>
+          </p:nvSpPr>
+          <p:spPr bwMode="auto">
+            <a:xfrm>
+              <a:off x="2583378" y="3877733"/>
+              <a:ext cx="1295400" cy="358987"/>
+            </a:xfrm>
+            <a:prstGeom prst="rect">
+              <a:avLst/>
+            </a:prstGeom>
+            <a:solidFill>
+              <a:schemeClr val="tx2"/>
+            </a:solidFill>
+            <a:ln w="12700" cap="sq" cmpd="sng" algn="ctr">
+              <a:solidFill>
+                <a:schemeClr val="tx1"/>
+              </a:solidFill>
+              <a:prstDash val="solid"/>
+              <a:round/>
+              <a:headEnd type="none" w="sm" len="sm"/>
+              <a:tailEnd type="none" w="sm" len="sm"/>
+            </a:ln>
+            <a:effectLst/>
+            <a:extLst/>
+          </p:spPr>
+          <p:txBody>
+            <a:bodyPr vert="horz" wrap="square" lIns="91440" tIns="45720" rIns="91440" bIns="45720" numCol="1" rtlCol="0" anchor="ctr" anchorCtr="0" compatLnSpc="1">
+              <a:prstTxWarp prst="textNoShape">
+                <a:avLst/>
+              </a:prstTxWarp>
+            </a:bodyPr>
+            <a:lstStyle/>
+            <a:p>
+              <a:pPr marL="0" marR="0" indent="0" algn="ctr" defTabSz="914400" rtl="0" eaLnBrk="1" fontAlgn="base" latinLnBrk="0" hangingPunct="1">
+                <a:lnSpc>
+                  <a:spcPct val="100000"/>
+                </a:lnSpc>
+                <a:spcBef>
+                  <a:spcPct val="0"/>
+                </a:spcBef>
+                <a:spcAft>
+                  <a:spcPct val="0"/>
+                </a:spcAft>
+                <a:buClrTx/>
+                <a:buSzTx/>
+                <a:buFontTx/>
+                <a:buNone/>
+                <a:tabLst/>
+              </a:pPr>
+              <a:r>
+                <a:rPr lang="en-US" sz="1200" dirty="0" smtClean="0">
+                  <a:solidFill>
+                    <a:schemeClr val="bg2"/>
+                  </a:solidFill>
+                  <a:latin typeface="+mn-lt"/>
+                </a:rPr>
+                <a:t>Statistics View</a:t>
+              </a:r>
+              <a:endParaRPr kumimoji="0" lang="en-US" sz="1200" b="0" i="0" u="none" strike="noStrike" cap="none" normalizeH="0" baseline="0" dirty="0" smtClean="0">
+                <a:ln>
+                  <a:noFill/>
+                </a:ln>
+                <a:solidFill>
+                  <a:schemeClr val="bg2"/>
+                </a:solidFill>
+                <a:effectLst/>
+                <a:latin typeface="+mn-lt"/>
+              </a:endParaRPr>
+            </a:p>
+          </p:txBody>
+        </p:sp>
+        <p:sp>
+          <p:nvSpPr>
+            <p:cNvPr id="10" name="Rectangle 9"/>
+            <p:cNvSpPr/>
+            <p:nvPr/>
+          </p:nvSpPr>
+          <p:spPr bwMode="auto">
+            <a:xfrm>
+              <a:off x="2583378" y="4343400"/>
+              <a:ext cx="1295400" cy="716280"/>
+            </a:xfrm>
+            <a:prstGeom prst="rect">
+              <a:avLst/>
+            </a:prstGeom>
+            <a:solidFill>
+              <a:schemeClr val="tx2"/>
+            </a:solidFill>
+            <a:ln w="12700" cap="sq" cmpd="sng" algn="ctr">
+              <a:solidFill>
+                <a:schemeClr val="tx1"/>
+              </a:solidFill>
+              <a:prstDash val="solid"/>
+              <a:round/>
+              <a:headEnd type="none" w="sm" len="sm"/>
+              <a:tailEnd type="none" w="sm" len="sm"/>
+            </a:ln>
+            <a:effectLst/>
+            <a:extLst/>
+          </p:spPr>
+          <p:txBody>
+            <a:bodyPr vert="horz" wrap="square" lIns="91440" tIns="45720" rIns="91440" bIns="45720" numCol="1" rtlCol="0" anchor="ctr" anchorCtr="0" compatLnSpc="1">
+              <a:prstTxWarp prst="textNoShape">
+                <a:avLst/>
+              </a:prstTxWarp>
+            </a:bodyPr>
+            <a:lstStyle/>
+            <a:p>
+              <a:pPr marL="0" marR="0" indent="0" algn="ctr" defTabSz="914400" rtl="0" eaLnBrk="1" fontAlgn="base" latinLnBrk="0" hangingPunct="1">
+                <a:lnSpc>
+                  <a:spcPct val="100000"/>
+                </a:lnSpc>
+                <a:spcBef>
+                  <a:spcPct val="0"/>
+                </a:spcBef>
+                <a:spcAft>
+                  <a:spcPct val="0"/>
+                </a:spcAft>
+                <a:buClrTx/>
+                <a:buSzTx/>
+                <a:buFontTx/>
+                <a:buNone/>
+                <a:tabLst/>
+              </a:pPr>
+              <a:r>
+                <a:rPr lang="en-US" sz="1200" dirty="0" smtClean="0">
+                  <a:solidFill>
+                    <a:schemeClr val="bg2"/>
+                  </a:solidFill>
+                  <a:latin typeface="+mn-lt"/>
+                </a:rPr>
+                <a:t>User Management View</a:t>
+              </a:r>
+              <a:endParaRPr kumimoji="0" lang="en-US" sz="1200" b="0" i="0" u="none" strike="noStrike" cap="none" normalizeH="0" baseline="0" dirty="0" smtClean="0">
+                <a:ln>
+                  <a:noFill/>
+                </a:ln>
+                <a:solidFill>
+                  <a:schemeClr val="bg2"/>
+                </a:solidFill>
+                <a:effectLst/>
+                <a:latin typeface="+mn-lt"/>
+              </a:endParaRPr>
+            </a:p>
+          </p:txBody>
+        </p:sp>
+      </p:grpSp>
+      <p:sp>
+        <p:nvSpPr>
+          <p:cNvPr id="12" name="Rectangle 11"/>
+          <p:cNvSpPr/>
+          <p:nvPr/>
+        </p:nvSpPr>
+        <p:spPr bwMode="auto">
+          <a:xfrm>
+            <a:off x="3848100" y="1905000"/>
+            <a:ext cx="2400300" cy="4495800"/>
+          </a:xfrm>
+          <a:prstGeom prst="rect">
+            <a:avLst/>
+          </a:prstGeom>
+          <a:solidFill>
+            <a:schemeClr val="accent3"/>
+          </a:solidFill>
+          <a:ln w="12700" cap="sq" cmpd="sng" algn="ctr">
+            <a:solidFill>
+              <a:schemeClr val="tx1"/>
+            </a:solidFill>
+            <a:prstDash val="solid"/>
+            <a:round/>
+            <a:headEnd type="none" w="sm" len="sm"/>
+            <a:tailEnd type="none" w="sm" len="sm"/>
+          </a:ln>
+          <a:effectLst/>
+          <a:extLst/>
+        </p:spPr>
+        <p:txBody>
+          <a:bodyPr vert="horz" wrap="square" lIns="91440" tIns="45720" rIns="91440" bIns="45720" numCol="1" rtlCol="0" anchor="t" anchorCtr="0" compatLnSpc="1">
+            <a:prstTxWarp prst="textNoShape">
+              <a:avLst/>
+            </a:prstTxWarp>
+          </a:bodyPr>
           <a:lstStyle/>
           <a:p>
-            <a:endParaRPr lang="en-US" dirty="0"/>
+            <a:pPr marL="0" marR="0" indent="0" algn="l" defTabSz="914400" rtl="0" eaLnBrk="1" fontAlgn="base" latinLnBrk="0" hangingPunct="1">
+              <a:lnSpc>
+                <a:spcPct val="100000"/>
+              </a:lnSpc>
+              <a:spcBef>
+                <a:spcPct val="0"/>
+              </a:spcBef>
+              <a:spcAft>
+                <a:spcPct val="0"/>
+              </a:spcAft>
+              <a:buClrTx/>
+              <a:buSzTx/>
+              <a:buFontTx/>
+              <a:buNone/>
+              <a:tabLst/>
+            </a:pPr>
+            <a:r>
+              <a:rPr kumimoji="0" lang="en-US" sz="2400" b="0" i="0" u="none" strike="noStrike" cap="none" normalizeH="0" baseline="0" dirty="0" smtClean="0">
+                <a:ln>
+                  <a:noFill/>
+                </a:ln>
+                <a:solidFill>
+                  <a:schemeClr val="tx1"/>
+                </a:solidFill>
+                <a:effectLst/>
+                <a:latin typeface="+mj-lt"/>
+              </a:rPr>
+              <a:t>ACE  Backend</a:t>
+            </a:r>
+          </a:p>
+        </p:txBody>
+      </p:sp>
+      <p:sp>
+        <p:nvSpPr>
+          <p:cNvPr id="13" name="Rounded Rectangle 12"/>
+          <p:cNvSpPr/>
+          <p:nvPr/>
+        </p:nvSpPr>
+        <p:spPr bwMode="auto">
+          <a:xfrm>
+            <a:off x="6400800" y="1905000"/>
+            <a:ext cx="2590800" cy="4495800"/>
+          </a:xfrm>
+          <a:prstGeom prst="roundRect">
+            <a:avLst/>
+          </a:prstGeom>
+          <a:solidFill>
+            <a:schemeClr val="accent5"/>
+          </a:solidFill>
+          <a:ln w="12700" cap="sq" cmpd="sng" algn="ctr">
+            <a:solidFill>
+              <a:schemeClr val="tx1"/>
+            </a:solidFill>
+            <a:prstDash val="solid"/>
+            <a:round/>
+            <a:headEnd type="none" w="sm" len="sm"/>
+            <a:tailEnd type="none" w="sm" len="sm"/>
+          </a:ln>
+          <a:effectLst/>
+          <a:extLst/>
+        </p:spPr>
+        <p:txBody>
+          <a:bodyPr vert="horz" wrap="square" lIns="91440" tIns="45720" rIns="91440" bIns="45720" numCol="1" rtlCol="0" anchor="t" anchorCtr="0" compatLnSpc="1">
+            <a:prstTxWarp prst="textNoShape">
+              <a:avLst/>
+            </a:prstTxWarp>
+          </a:bodyPr>
+          <a:lstStyle/>
+          <a:p>
+            <a:pPr marL="0" marR="0" indent="0" algn="l" defTabSz="914400" rtl="0" eaLnBrk="1" fontAlgn="base" latinLnBrk="0" hangingPunct="1">
+              <a:lnSpc>
+                <a:spcPct val="100000"/>
+              </a:lnSpc>
+              <a:spcBef>
+                <a:spcPct val="0"/>
+              </a:spcBef>
+              <a:spcAft>
+                <a:spcPct val="0"/>
+              </a:spcAft>
+              <a:buClrTx/>
+              <a:buSzTx/>
+              <a:buFontTx/>
+              <a:buNone/>
+              <a:tabLst/>
+            </a:pPr>
+            <a:r>
+              <a:rPr lang="en-US" dirty="0" smtClean="0">
+                <a:latin typeface="+mj-lt"/>
+              </a:rPr>
+              <a:t>Data Repository</a:t>
+            </a:r>
+            <a:endParaRPr kumimoji="0" lang="en-US" sz="2400" b="0" i="0" u="none" strike="noStrike" cap="none" normalizeH="0" baseline="0" dirty="0" smtClean="0">
+              <a:ln>
+                <a:noFill/>
+              </a:ln>
+              <a:solidFill>
+                <a:schemeClr val="tx1"/>
+              </a:solidFill>
+              <a:effectLst/>
+              <a:latin typeface="+mj-lt"/>
+            </a:endParaRPr>
+          </a:p>
+        </p:txBody>
+      </p:sp>
+      <p:sp>
+        <p:nvSpPr>
+          <p:cNvPr id="16" name="Rounded Rectangle 15"/>
+          <p:cNvSpPr/>
+          <p:nvPr/>
+        </p:nvSpPr>
+        <p:spPr bwMode="auto">
+          <a:xfrm>
+            <a:off x="6629400" y="2667000"/>
+            <a:ext cx="2209800" cy="685800"/>
+          </a:xfrm>
+          <a:prstGeom prst="roundRect">
+            <a:avLst/>
+          </a:prstGeom>
+          <a:solidFill>
+            <a:schemeClr val="accent1"/>
+          </a:solidFill>
+          <a:ln w="12700" cap="sq" cmpd="sng" algn="ctr">
+            <a:solidFill>
+              <a:schemeClr val="tx1"/>
+            </a:solidFill>
+            <a:prstDash val="solid"/>
+            <a:round/>
+            <a:headEnd type="none" w="sm" len="sm"/>
+            <a:tailEnd type="none" w="sm" len="sm"/>
+          </a:ln>
+          <a:effectLst/>
+          <a:extLst>
+            <a:ext uri="{AF507438-7753-43E0-B8FC-AC1667EBCBE1}">
+              <a14:hiddenEffects xmlns:a14="http://schemas.microsoft.com/office/drawing/2010/main">
+                <a:effectLst>
+                  <a:outerShdw dist="35921" dir="2700000" algn="ctr" rotWithShape="0">
+                    <a:schemeClr val="bg2"/>
+                  </a:outerShdw>
+                </a:effectLst>
+              </a14:hiddenEffects>
+            </a:ext>
+          </a:extLst>
+        </p:spPr>
+        <p:txBody>
+          <a:bodyPr vert="horz" wrap="square" lIns="91440" tIns="45720" rIns="91440" bIns="45720" numCol="1" rtlCol="0" anchor="ctr" anchorCtr="0" compatLnSpc="1">
+            <a:prstTxWarp prst="textNoShape">
+              <a:avLst/>
+            </a:prstTxWarp>
+          </a:bodyPr>
+          <a:lstStyle/>
+          <a:p>
+            <a:pPr marL="0" marR="0" indent="0" algn="l" defTabSz="914400" rtl="0" eaLnBrk="1" fontAlgn="base" latinLnBrk="0" hangingPunct="1">
+              <a:lnSpc>
+                <a:spcPct val="100000"/>
+              </a:lnSpc>
+              <a:spcBef>
+                <a:spcPct val="0"/>
+              </a:spcBef>
+              <a:spcAft>
+                <a:spcPct val="0"/>
+              </a:spcAft>
+              <a:buClrTx/>
+              <a:buSzTx/>
+              <a:buFontTx/>
+              <a:buNone/>
+              <a:tabLst/>
+            </a:pPr>
+            <a:r>
+              <a:rPr lang="en-US" dirty="0" smtClean="0">
+                <a:latin typeface="+mn-lt"/>
+              </a:rPr>
+              <a:t>User Accounts</a:t>
+            </a:r>
+            <a:endParaRPr kumimoji="0" lang="en-US" sz="2400" b="0" i="0" u="none" strike="noStrike" cap="none" normalizeH="0" baseline="0" dirty="0" smtClean="0">
+              <a:ln>
+                <a:noFill/>
+              </a:ln>
+              <a:solidFill>
+                <a:schemeClr val="tx1"/>
+              </a:solidFill>
+              <a:effectLst/>
+              <a:latin typeface="+mn-lt"/>
+            </a:endParaRPr>
+          </a:p>
+        </p:txBody>
+      </p:sp>
+      <p:sp>
+        <p:nvSpPr>
+          <p:cNvPr id="20" name="Rectangle 19"/>
+          <p:cNvSpPr/>
+          <p:nvPr/>
+        </p:nvSpPr>
+        <p:spPr bwMode="auto">
+          <a:xfrm>
+            <a:off x="4057650" y="2554728"/>
+            <a:ext cx="1981200" cy="950472"/>
+          </a:xfrm>
+          <a:prstGeom prst="rect">
+            <a:avLst/>
+          </a:prstGeom>
+          <a:solidFill>
+            <a:schemeClr val="accent1"/>
+          </a:solidFill>
+          <a:ln w="12700" cap="sq" cmpd="sng" algn="ctr">
+            <a:solidFill>
+              <a:schemeClr val="tx1"/>
+            </a:solidFill>
+            <a:prstDash val="solid"/>
+            <a:round/>
+            <a:headEnd type="none" w="sm" len="sm"/>
+            <a:tailEnd type="none" w="sm" len="sm"/>
+          </a:ln>
+          <a:effectLst/>
+          <a:extLst>
+            <a:ext uri="{AF507438-7753-43E0-B8FC-AC1667EBCBE1}">
+              <a14:hiddenEffects xmlns:a14="http://schemas.microsoft.com/office/drawing/2010/main">
+                <a:effectLst>
+                  <a:outerShdw dist="35921" dir="2700000" algn="ctr" rotWithShape="0">
+                    <a:schemeClr val="bg2"/>
+                  </a:outerShdw>
+                </a:effectLst>
+              </a14:hiddenEffects>
+            </a:ext>
+          </a:extLst>
+        </p:spPr>
+        <p:txBody>
+          <a:bodyPr vert="horz" wrap="square" lIns="91440" tIns="45720" rIns="91440" bIns="45720" numCol="1" rtlCol="0" anchor="t" anchorCtr="0" compatLnSpc="1">
+            <a:prstTxWarp prst="textNoShape">
+              <a:avLst/>
+            </a:prstTxWarp>
+          </a:bodyPr>
+          <a:lstStyle/>
+          <a:p>
+            <a:pPr marL="0" marR="0" indent="0" algn="l" defTabSz="914400" rtl="0" eaLnBrk="1" fontAlgn="base" latinLnBrk="0" hangingPunct="1">
+              <a:lnSpc>
+                <a:spcPct val="100000"/>
+              </a:lnSpc>
+              <a:spcBef>
+                <a:spcPct val="0"/>
+              </a:spcBef>
+              <a:spcAft>
+                <a:spcPct val="0"/>
+              </a:spcAft>
+              <a:buClrTx/>
+              <a:buSzTx/>
+              <a:buFontTx/>
+              <a:buNone/>
+              <a:tabLst/>
+            </a:pPr>
+            <a:r>
+              <a:rPr kumimoji="0" lang="en-US" sz="2400" b="0" i="0" u="none" strike="noStrike" cap="none" normalizeH="0" baseline="0" dirty="0" smtClean="0">
+                <a:ln>
+                  <a:noFill/>
+                </a:ln>
+                <a:solidFill>
+                  <a:schemeClr val="tx1"/>
+                </a:solidFill>
+                <a:effectLst/>
+                <a:latin typeface="+mj-lt"/>
+              </a:rPr>
+              <a:t>User Manager</a:t>
+            </a:r>
+          </a:p>
+        </p:txBody>
+      </p:sp>
+      <p:sp>
+        <p:nvSpPr>
+          <p:cNvPr id="21" name="Rounded Rectangle 20"/>
+          <p:cNvSpPr/>
+          <p:nvPr/>
+        </p:nvSpPr>
+        <p:spPr bwMode="auto">
+          <a:xfrm>
+            <a:off x="6629400" y="3862699"/>
+            <a:ext cx="2209800" cy="1023949"/>
+          </a:xfrm>
+          <a:prstGeom prst="roundRect">
+            <a:avLst/>
+          </a:prstGeom>
+          <a:solidFill>
+            <a:schemeClr val="accent1"/>
+          </a:solidFill>
+          <a:ln w="12700" cap="sq" cmpd="sng" algn="ctr">
+            <a:solidFill>
+              <a:schemeClr val="tx1"/>
+            </a:solidFill>
+            <a:prstDash val="solid"/>
+            <a:round/>
+            <a:headEnd type="none" w="sm" len="sm"/>
+            <a:tailEnd type="none" w="sm" len="sm"/>
+          </a:ln>
+          <a:effectLst/>
+          <a:extLst>
+            <a:ext uri="{AF507438-7753-43E0-B8FC-AC1667EBCBE1}">
+              <a14:hiddenEffects xmlns:a14="http://schemas.microsoft.com/office/drawing/2010/main">
+                <a:effectLst>
+                  <a:outerShdw dist="35921" dir="2700000" algn="ctr" rotWithShape="0">
+                    <a:schemeClr val="bg2"/>
+                  </a:outerShdw>
+                </a:effectLst>
+              </a14:hiddenEffects>
+            </a:ext>
+          </a:extLst>
+        </p:spPr>
+        <p:txBody>
+          <a:bodyPr vert="horz" wrap="square" lIns="91440" tIns="45720" rIns="91440" bIns="45720" numCol="1" rtlCol="0" anchor="ctr" anchorCtr="0" compatLnSpc="1">
+            <a:prstTxWarp prst="textNoShape">
+              <a:avLst/>
+            </a:prstTxWarp>
+          </a:bodyPr>
+          <a:lstStyle/>
+          <a:p>
+            <a:pPr marL="0" marR="0" indent="0" algn="ctr" defTabSz="914400" rtl="0" eaLnBrk="1" fontAlgn="base" latinLnBrk="0" hangingPunct="1">
+              <a:lnSpc>
+                <a:spcPct val="100000"/>
+              </a:lnSpc>
+              <a:spcBef>
+                <a:spcPct val="0"/>
+              </a:spcBef>
+              <a:spcAft>
+                <a:spcPct val="0"/>
+              </a:spcAft>
+              <a:buClrTx/>
+              <a:buSzTx/>
+              <a:buFontTx/>
+              <a:buNone/>
+              <a:tabLst/>
+            </a:pPr>
+            <a:r>
+              <a:rPr lang="en-US" dirty="0" smtClean="0">
+                <a:latin typeface="+mn-lt"/>
+              </a:rPr>
+              <a:t>Slides</a:t>
+            </a:r>
+            <a:endParaRPr kumimoji="0" lang="en-US" sz="2400" b="0" i="0" u="none" strike="noStrike" cap="none" normalizeH="0" baseline="0" dirty="0" smtClean="0">
+              <a:ln>
+                <a:noFill/>
+              </a:ln>
+              <a:solidFill>
+                <a:schemeClr val="tx1"/>
+              </a:solidFill>
+              <a:effectLst/>
+              <a:latin typeface="+mn-lt"/>
+            </a:endParaRPr>
+          </a:p>
+        </p:txBody>
+      </p:sp>
+      <p:sp>
+        <p:nvSpPr>
+          <p:cNvPr id="22" name="Rectangle 21"/>
+          <p:cNvSpPr/>
+          <p:nvPr/>
+        </p:nvSpPr>
+        <p:spPr bwMode="auto">
+          <a:xfrm>
+            <a:off x="4054929" y="3864758"/>
+            <a:ext cx="1981200" cy="931621"/>
+          </a:xfrm>
+          <a:prstGeom prst="rect">
+            <a:avLst/>
+          </a:prstGeom>
+          <a:solidFill>
+            <a:schemeClr val="accent1"/>
+          </a:solidFill>
+          <a:ln w="12700" cap="sq" cmpd="sng" algn="ctr">
+            <a:solidFill>
+              <a:schemeClr val="tx1"/>
+            </a:solidFill>
+            <a:prstDash val="solid"/>
+            <a:round/>
+            <a:headEnd type="none" w="sm" len="sm"/>
+            <a:tailEnd type="none" w="sm" len="sm"/>
+          </a:ln>
+          <a:effectLst/>
+          <a:extLst>
+            <a:ext uri="{AF507438-7753-43E0-B8FC-AC1667EBCBE1}">
+              <a14:hiddenEffects xmlns:a14="http://schemas.microsoft.com/office/drawing/2010/main">
+                <a:effectLst>
+                  <a:outerShdw dist="35921" dir="2700000" algn="ctr" rotWithShape="0">
+                    <a:schemeClr val="bg2"/>
+                  </a:outerShdw>
+                </a:effectLst>
+              </a14:hiddenEffects>
+            </a:ext>
+          </a:extLst>
+        </p:spPr>
+        <p:txBody>
+          <a:bodyPr vert="horz" wrap="square" lIns="91440" tIns="45720" rIns="91440" bIns="45720" numCol="1" rtlCol="0" anchor="t" anchorCtr="0" compatLnSpc="1">
+            <a:prstTxWarp prst="textNoShape">
+              <a:avLst/>
+            </a:prstTxWarp>
+          </a:bodyPr>
+          <a:lstStyle/>
+          <a:p>
+            <a:pPr marL="0" marR="0" indent="0" algn="l" defTabSz="914400" rtl="0" eaLnBrk="1" fontAlgn="base" latinLnBrk="0" hangingPunct="1">
+              <a:lnSpc>
+                <a:spcPct val="100000"/>
+              </a:lnSpc>
+              <a:spcBef>
+                <a:spcPct val="0"/>
+              </a:spcBef>
+              <a:spcAft>
+                <a:spcPct val="0"/>
+              </a:spcAft>
+              <a:buClrTx/>
+              <a:buSzTx/>
+              <a:buFontTx/>
+              <a:buNone/>
+              <a:tabLst/>
+            </a:pPr>
+            <a:r>
+              <a:rPr kumimoji="0" lang="en-US" sz="2400" b="0" i="0" u="none" strike="noStrike" cap="none" normalizeH="0" baseline="0" dirty="0" smtClean="0">
+                <a:ln>
+                  <a:noFill/>
+                </a:ln>
+                <a:solidFill>
+                  <a:schemeClr val="tx1"/>
+                </a:solidFill>
+                <a:effectLst/>
+                <a:latin typeface="+mj-lt"/>
+              </a:rPr>
+              <a:t>Slide </a:t>
+            </a:r>
+            <a:r>
+              <a:rPr kumimoji="0" lang="en-US" sz="2400" b="0" i="0" u="none" strike="noStrike" cap="none" normalizeH="0" baseline="0" dirty="0" smtClean="0">
+                <a:ln>
+                  <a:noFill/>
+                </a:ln>
+                <a:solidFill>
+                  <a:schemeClr val="tx1"/>
+                </a:solidFill>
+                <a:effectLst/>
+                <a:latin typeface="+mj-lt"/>
+              </a:rPr>
+              <a:t>Manager</a:t>
+            </a:r>
+            <a:endParaRPr kumimoji="0" lang="en-US" sz="2400" b="0" i="0" u="none" strike="noStrike" cap="none" normalizeH="0" baseline="0" dirty="0" smtClean="0">
+              <a:ln>
+                <a:noFill/>
+              </a:ln>
+              <a:solidFill>
+                <a:schemeClr val="tx1"/>
+              </a:solidFill>
+              <a:effectLst/>
+              <a:latin typeface="+mj-lt"/>
+            </a:endParaRPr>
+          </a:p>
+        </p:txBody>
+      </p:sp>
+      <p:cxnSp>
+        <p:nvCxnSpPr>
+          <p:cNvPr id="25" name="Straight Arrow Connector 24"/>
+          <p:cNvCxnSpPr/>
+          <p:nvPr/>
+        </p:nvCxnSpPr>
+        <p:spPr bwMode="auto">
+          <a:xfrm>
+            <a:off x="6036129" y="2883849"/>
+            <a:ext cx="593271" cy="0"/>
+          </a:xfrm>
+          <a:prstGeom prst="straightConnector1">
+            <a:avLst/>
+          </a:prstGeom>
+          <a:solidFill>
+            <a:schemeClr val="accent1"/>
+          </a:solidFill>
+          <a:ln w="12700" cap="sq" cmpd="sng" algn="ctr">
+            <a:solidFill>
+              <a:schemeClr val="bg2"/>
+            </a:solidFill>
+            <a:prstDash val="solid"/>
+            <a:round/>
+            <a:headEnd type="none" w="sm" len="sm"/>
+            <a:tailEnd type="triangle"/>
+          </a:ln>
+          <a:effectLst/>
+          <a:extLst>
+            <a:ext uri="{AF507438-7753-43E0-B8FC-AC1667EBCBE1}">
+              <a14:hiddenEffects xmlns:a14="http://schemas.microsoft.com/office/drawing/2010/main">
+                <a:effectLst>
+                  <a:outerShdw dist="35921" dir="2700000" algn="ctr" rotWithShape="0">
+                    <a:schemeClr val="bg2"/>
+                  </a:outerShdw>
+                </a:effectLst>
+              </a14:hiddenEffects>
+            </a:ext>
+          </a:extLst>
+        </p:spPr>
+      </p:cxnSp>
+      <p:cxnSp>
+        <p:nvCxnSpPr>
+          <p:cNvPr id="27" name="Straight Arrow Connector 26"/>
+          <p:cNvCxnSpPr/>
+          <p:nvPr/>
+        </p:nvCxnSpPr>
+        <p:spPr bwMode="auto">
+          <a:xfrm flipH="1">
+            <a:off x="6057900" y="3200400"/>
+            <a:ext cx="571500" cy="0"/>
+          </a:xfrm>
+          <a:prstGeom prst="straightConnector1">
+            <a:avLst/>
+          </a:prstGeom>
+          <a:solidFill>
+            <a:schemeClr val="accent1"/>
+          </a:solidFill>
+          <a:ln w="12700" cap="sq" cmpd="sng" algn="ctr">
+            <a:solidFill>
+              <a:schemeClr val="bg2"/>
+            </a:solidFill>
+            <a:prstDash val="solid"/>
+            <a:round/>
+            <a:headEnd type="none" w="sm" len="sm"/>
+            <a:tailEnd type="triangle"/>
+          </a:ln>
+          <a:effectLst/>
+          <a:extLst>
+            <a:ext uri="{AF507438-7753-43E0-B8FC-AC1667EBCBE1}">
+              <a14:hiddenEffects xmlns:a14="http://schemas.microsoft.com/office/drawing/2010/main">
+                <a:effectLst>
+                  <a:outerShdw dist="35921" dir="2700000" algn="ctr" rotWithShape="0">
+                    <a:schemeClr val="bg2"/>
+                  </a:outerShdw>
+                </a:effectLst>
+              </a14:hiddenEffects>
+            </a:ext>
+          </a:extLst>
+        </p:spPr>
+      </p:cxnSp>
+      <p:sp>
+        <p:nvSpPr>
+          <p:cNvPr id="28" name="Rectangle 27"/>
+          <p:cNvSpPr/>
+          <p:nvPr/>
+        </p:nvSpPr>
+        <p:spPr bwMode="auto">
+          <a:xfrm>
+            <a:off x="4054929" y="5235929"/>
+            <a:ext cx="1981200" cy="891886"/>
+          </a:xfrm>
+          <a:prstGeom prst="rect">
+            <a:avLst/>
+          </a:prstGeom>
+          <a:solidFill>
+            <a:schemeClr val="accent1"/>
+          </a:solidFill>
+          <a:ln w="12700" cap="sq" cmpd="sng" algn="ctr">
+            <a:solidFill>
+              <a:schemeClr val="tx1"/>
+            </a:solidFill>
+            <a:prstDash val="solid"/>
+            <a:round/>
+            <a:headEnd type="none" w="sm" len="sm"/>
+            <a:tailEnd type="none" w="sm" len="sm"/>
+          </a:ln>
+          <a:effectLst/>
+          <a:extLst>
+            <a:ext uri="{AF507438-7753-43E0-B8FC-AC1667EBCBE1}">
+              <a14:hiddenEffects xmlns:a14="http://schemas.microsoft.com/office/drawing/2010/main">
+                <a:effectLst>
+                  <a:outerShdw dist="35921" dir="2700000" algn="ctr" rotWithShape="0">
+                    <a:schemeClr val="bg2"/>
+                  </a:outerShdw>
+                </a:effectLst>
+              </a14:hiddenEffects>
+            </a:ext>
+          </a:extLst>
+        </p:spPr>
+        <p:txBody>
+          <a:bodyPr vert="horz" wrap="square" lIns="91440" tIns="45720" rIns="91440" bIns="45720" numCol="1" rtlCol="0" anchor="ctr" anchorCtr="0" compatLnSpc="1">
+            <a:prstTxWarp prst="textNoShape">
+              <a:avLst/>
+            </a:prstTxWarp>
+          </a:bodyPr>
+          <a:lstStyle/>
+          <a:p>
+            <a:pPr marL="0" marR="0" indent="0" defTabSz="914400" rtl="0" eaLnBrk="1" fontAlgn="base" latinLnBrk="0" hangingPunct="1">
+              <a:lnSpc>
+                <a:spcPct val="100000"/>
+              </a:lnSpc>
+              <a:spcBef>
+                <a:spcPct val="0"/>
+              </a:spcBef>
+              <a:spcAft>
+                <a:spcPct val="0"/>
+              </a:spcAft>
+              <a:buClrTx/>
+              <a:buSzTx/>
+              <a:buFontTx/>
+              <a:buNone/>
+              <a:tabLst/>
+            </a:pPr>
+            <a:r>
+              <a:rPr kumimoji="0" lang="en-US" sz="2400" b="0" i="0" u="none" strike="noStrike" cap="none" normalizeH="0" baseline="0" dirty="0" smtClean="0">
+                <a:ln>
+                  <a:noFill/>
+                </a:ln>
+                <a:solidFill>
+                  <a:schemeClr val="tx1"/>
+                </a:solidFill>
+                <a:effectLst/>
+                <a:latin typeface="+mj-lt"/>
+              </a:rPr>
+              <a:t>Trainer Manager</a:t>
+            </a:r>
+          </a:p>
+        </p:txBody>
+      </p:sp>
+      <p:sp>
+        <p:nvSpPr>
+          <p:cNvPr id="30" name="Rounded Rectangle 29"/>
+          <p:cNvSpPr/>
+          <p:nvPr/>
+        </p:nvSpPr>
+        <p:spPr bwMode="auto">
+          <a:xfrm>
+            <a:off x="6628410" y="5175552"/>
+            <a:ext cx="2209800" cy="1023949"/>
+          </a:xfrm>
+          <a:prstGeom prst="roundRect">
+            <a:avLst/>
+          </a:prstGeom>
+          <a:solidFill>
+            <a:schemeClr val="accent1"/>
+          </a:solidFill>
+          <a:ln w="12700" cap="sq" cmpd="sng" algn="ctr">
+            <a:solidFill>
+              <a:schemeClr val="tx1"/>
+            </a:solidFill>
+            <a:prstDash val="solid"/>
+            <a:round/>
+            <a:headEnd type="none" w="sm" len="sm"/>
+            <a:tailEnd type="none" w="sm" len="sm"/>
+          </a:ln>
+          <a:effectLst/>
+          <a:extLst>
+            <a:ext uri="{AF507438-7753-43E0-B8FC-AC1667EBCBE1}">
+              <a14:hiddenEffects xmlns:a14="http://schemas.microsoft.com/office/drawing/2010/main">
+                <a:effectLst>
+                  <a:outerShdw dist="35921" dir="2700000" algn="ctr" rotWithShape="0">
+                    <a:schemeClr val="bg2"/>
+                  </a:outerShdw>
+                </a:effectLst>
+              </a14:hiddenEffects>
+            </a:ext>
+          </a:extLst>
+        </p:spPr>
+        <p:txBody>
+          <a:bodyPr vert="horz" wrap="square" lIns="91440" tIns="45720" rIns="91440" bIns="45720" numCol="1" rtlCol="0" anchor="ctr" anchorCtr="0" compatLnSpc="1">
+            <a:prstTxWarp prst="textNoShape">
+              <a:avLst/>
+            </a:prstTxWarp>
+          </a:bodyPr>
+          <a:lstStyle/>
+          <a:p>
+            <a:pPr marL="0" marR="0" indent="0" algn="ctr" defTabSz="914400" rtl="0" eaLnBrk="1" fontAlgn="base" latinLnBrk="0" hangingPunct="1">
+              <a:lnSpc>
+                <a:spcPct val="100000"/>
+              </a:lnSpc>
+              <a:spcBef>
+                <a:spcPct val="0"/>
+              </a:spcBef>
+              <a:spcAft>
+                <a:spcPct val="0"/>
+              </a:spcAft>
+              <a:buClrTx/>
+              <a:buSzTx/>
+              <a:buFontTx/>
+              <a:buNone/>
+              <a:tabLst/>
+            </a:pPr>
+            <a:r>
+              <a:rPr lang="en-US" dirty="0" smtClean="0">
+                <a:latin typeface="+mn-lt"/>
+              </a:rPr>
+              <a:t>Statistics</a:t>
+            </a:r>
+            <a:endParaRPr kumimoji="0" lang="en-US" sz="2400" b="0" i="0" u="none" strike="noStrike" cap="none" normalizeH="0" baseline="0" dirty="0" smtClean="0">
+              <a:ln>
+                <a:noFill/>
+              </a:ln>
+              <a:solidFill>
+                <a:schemeClr val="tx1"/>
+              </a:solidFill>
+              <a:effectLst/>
+              <a:latin typeface="+mn-lt"/>
+            </a:endParaRPr>
           </a:p>
         </p:txBody>
       </p:sp>
@@ -5846,6 +7563,13 @@
   <p:clrMapOvr>
     <a:masterClrMapping/>
   </p:clrMapOvr>
+  <p:timing>
+    <p:tnLst>
+      <p:par>
+        <p:cTn id="1" dur="indefinite" restart="never" nodeType="tmRoot"/>
+      </p:par>
+    </p:tnLst>
+  </p:timing>
 </p:sld>
 </file>
 
@@ -5992,6 +7716,13 @@
   <p:clrMapOvr>
     <a:masterClrMapping/>
   </p:clrMapOvr>
+  <p:timing>
+    <p:tnLst>
+      <p:par>
+        <p:cTn id="1" dur="indefinite" restart="never" nodeType="tmRoot"/>
+      </p:par>
+    </p:tnLst>
+  </p:timing>
 </p:sld>
 </file>
 
@@ -6125,6 +7856,13 @@
   <p:clrMapOvr>
     <a:masterClrMapping/>
   </p:clrMapOvr>
+  <p:timing>
+    <p:tnLst>
+      <p:par>
+        <p:cTn id="1" dur="indefinite" restart="never" nodeType="tmRoot"/>
+      </p:par>
+    </p:tnLst>
+  </p:timing>
 </p:sld>
 </file>
 
@@ -6178,6 +7916,13 @@
   <p:clrMapOvr>
     <a:masterClrMapping/>
   </p:clrMapOvr>
+  <p:timing>
+    <p:tnLst>
+      <p:par>
+        <p:cTn id="1" dur="indefinite" restart="never" nodeType="tmRoot"/>
+      </p:par>
+    </p:tnLst>
+  </p:timing>
 </p:sld>
 </file>
 
@@ -6280,6 +8025,13 @@
   <p:clrMapOvr>
     <a:masterClrMapping/>
   </p:clrMapOvr>
+  <p:timing>
+    <p:tnLst>
+      <p:par>
+        <p:cTn id="1" dur="indefinite" restart="never" nodeType="tmRoot"/>
+      </p:par>
+    </p:tnLst>
+  </p:timing>
 </p:sld>
 </file>
 
@@ -6367,6 +8119,13 @@
   <p:clrMapOvr>
     <a:masterClrMapping/>
   </p:clrMapOvr>
+  <p:timing>
+    <p:tnLst>
+      <p:par>
+        <p:cTn id="1" dur="indefinite" restart="never" nodeType="tmRoot"/>
+      </p:par>
+    </p:tnLst>
+  </p:timing>
 </p:sld>
 </file>
 
@@ -6501,7 +8260,6 @@
               <a:rPr lang="en-US" sz="1800" dirty="0" smtClean="0"/>
               <a:t>Time to learn set us back a bit</a:t>
             </a:r>
-            <a:endParaRPr lang="en-US" sz="1800" dirty="0" smtClean="0"/>
           </a:p>
           <a:p>
             <a:r>
@@ -6517,6 +8275,13 @@
   <p:clrMapOvr>
     <a:masterClrMapping/>
   </p:clrMapOvr>
+  <p:timing>
+    <p:tnLst>
+      <p:par>
+        <p:cTn id="1" dur="indefinite" restart="never" nodeType="tmRoot"/>
+      </p:par>
+    </p:tnLst>
+  </p:timing>
 </p:sld>
 </file>
 

--- a/docs/ACE_Team_Design.pptx
+++ b/docs/ACE_Team_Design.pptx
@@ -6183,25 +6183,8 @@
           <a:p>
             <a:r>
               <a:rPr lang="en-US" dirty="0" smtClean="0"/>
-              <a:t>Slides are </a:t>
-            </a:r>
-            <a:r>
-              <a:rPr lang="en-US" dirty="0" smtClean="0"/>
-              <a:t>built and maintained </a:t>
-            </a:r>
-            <a:r>
-              <a:rPr lang="en-US" dirty="0" smtClean="0"/>
-              <a:t>using the </a:t>
-            </a:r>
-            <a:r>
-              <a:rPr lang="en-US" dirty="0" smtClean="0"/>
-              <a:t>slide manager</a:t>
-            </a:r>
-            <a:r>
-              <a:rPr lang="en-US" dirty="0" smtClean="0"/>
-              <a:t> controller</a:t>
-            </a:r>
-            <a:endParaRPr lang="en-US" dirty="0" smtClean="0"/>
+              <a:t>Slides are built and maintained using the slide manager controller</a:t>
+            </a:r>
           </a:p>
         </p:txBody>
       </p:sp>
@@ -7284,31 +7267,8 @@
                 <a:effectLst/>
                 <a:latin typeface="+mj-lt"/>
               </a:rPr>
-              <a:t>Slide </a:t>
-            </a:r>
-            <a:r>
-              <a:rPr kumimoji="0" lang="en-US" sz="2400" b="0" i="0" u="none" strike="noStrike" cap="none" normalizeH="0" baseline="0" dirty="0" smtClean="0">
-                <a:ln>
-                  <a:noFill/>
-                </a:ln>
-                <a:solidFill>
-                  <a:schemeClr val="tx1"/>
-                </a:solidFill>
-                <a:effectLst/>
-                <a:latin typeface="+mj-lt"/>
-              </a:rPr>
-              <a:t>Manager</a:t>
-            </a:r>
-            <a:endParaRPr kumimoji="0" lang="en-US" sz="2400" b="0" i="0" u="none" strike="noStrike" cap="none" normalizeH="0" baseline="0" dirty="0" smtClean="0">
-              <a:ln>
-                <a:noFill/>
-              </a:ln>
-              <a:solidFill>
-                <a:schemeClr val="tx1"/>
-              </a:solidFill>
-              <a:effectLst/>
-              <a:latin typeface="+mj-lt"/>
-            </a:endParaRPr>
+              <a:t>Slide Manager</a:t>
+            </a:r>
           </a:p>
         </p:txBody>
       </p:sp>
@@ -7607,7 +7567,7 @@
           <a:p>
             <a:r>
               <a:rPr lang="en-US" dirty="0" smtClean="0"/>
-              <a:t>Interface</a:t>
+              <a:t>Interface Overview</a:t>
             </a:r>
             <a:endParaRPr lang="en-US" dirty="0"/>
           </a:p>
@@ -7694,12 +7654,12 @@
               <a:t>Gets </a:t>
             </a:r>
             <a:r>
-              <a:rPr lang="en-US" sz="1600" dirty="0" err="1"/>
-              <a:t>resultset</a:t>
+              <a:rPr lang="en-US" sz="1600" dirty="0" smtClean="0"/>
+              <a:t>statistics from </a:t>
             </a:r>
             <a:r>
               <a:rPr lang="en-US" sz="1600" dirty="0"/>
-              <a:t> from data repository, put into table </a:t>
+              <a:t>data repository, put into table </a:t>
             </a:r>
           </a:p>
           <a:p>
